--- a/Presentation.pptx
+++ b/Presentation.pptx
@@ -8391,7 +8391,7 @@
           <a:p>
             <a:r>
               <a:rPr lang="en-US" sz="7200" dirty="0"/>
-              <a:t>Traffic signal &amp; lane detection</a:t>
+              <a:t>Driving Assistance App</a:t>
             </a:r>
           </a:p>
         </p:txBody>
